--- a/Microsoft PowerPoint Presentation.pptx
+++ b/Microsoft PowerPoint Presentation.pptx
@@ -8,8 +8,10 @@
     <p:sldId id="256" r:id="rId2"/>
     <p:sldId id="258" r:id="rId3"/>
     <p:sldId id="257" r:id="rId4"/>
-    <p:sldId id="259" r:id="rId5"/>
-    <p:sldId id="260" r:id="rId6"/>
+    <p:sldId id="261" r:id="rId5"/>
+    <p:sldId id="262" r:id="rId6"/>
+    <p:sldId id="259" r:id="rId7"/>
+    <p:sldId id="260" r:id="rId8"/>
   </p:sldIdLst>
   <p:sldSz cx="12192000" cy="6858000"/>
   <p:notesSz cx="6858000" cy="9144000"/>
@@ -108,6 +110,11 @@
       </a:defRPr>
     </a:lvl9pPr>
   </p:defaultTextStyle>
+  <p:extLst>
+    <p:ext uri="{EFAFB233-063F-42B5-8137-9DF3F51BA10A}">
+      <p15:sldGuideLst xmlns:p15="http://schemas.microsoft.com/office/powerpoint/2012/main"/>
+    </p:ext>
+  </p:extLst>
 </p:presentation>
 </file>
 
@@ -242,7 +249,7 @@
           <a:p>
             <a:fld id="{FBE2D131-9059-4871-B9F5-B1D85DD117F9}" type="datetimeFigureOut">
               <a:rPr lang="en-US" smtClean="0"/>
-              <a:t>3/22/2015</a:t>
+              <a:t>3/26/2015</a:t>
             </a:fld>
             <a:endParaRPr lang="en-US"/>
           </a:p>
@@ -412,7 +419,7 @@
           <a:p>
             <a:fld id="{FBE2D131-9059-4871-B9F5-B1D85DD117F9}" type="datetimeFigureOut">
               <a:rPr lang="en-US" smtClean="0"/>
-              <a:t>3/22/2015</a:t>
+              <a:t>3/26/2015</a:t>
             </a:fld>
             <a:endParaRPr lang="en-US"/>
           </a:p>
@@ -592,7 +599,7 @@
           <a:p>
             <a:fld id="{FBE2D131-9059-4871-B9F5-B1D85DD117F9}" type="datetimeFigureOut">
               <a:rPr lang="en-US" smtClean="0"/>
-              <a:t>3/22/2015</a:t>
+              <a:t>3/26/2015</a:t>
             </a:fld>
             <a:endParaRPr lang="en-US"/>
           </a:p>
@@ -762,7 +769,7 @@
           <a:p>
             <a:fld id="{FBE2D131-9059-4871-B9F5-B1D85DD117F9}" type="datetimeFigureOut">
               <a:rPr lang="en-US" smtClean="0"/>
-              <a:t>3/22/2015</a:t>
+              <a:t>3/26/2015</a:t>
             </a:fld>
             <a:endParaRPr lang="en-US"/>
           </a:p>
@@ -1008,7 +1015,7 @@
           <a:p>
             <a:fld id="{FBE2D131-9059-4871-B9F5-B1D85DD117F9}" type="datetimeFigureOut">
               <a:rPr lang="en-US" smtClean="0"/>
-              <a:t>3/22/2015</a:t>
+              <a:t>3/26/2015</a:t>
             </a:fld>
             <a:endParaRPr lang="en-US"/>
           </a:p>
@@ -1240,7 +1247,7 @@
           <a:p>
             <a:fld id="{FBE2D131-9059-4871-B9F5-B1D85DD117F9}" type="datetimeFigureOut">
               <a:rPr lang="en-US" smtClean="0"/>
-              <a:t>3/22/2015</a:t>
+              <a:t>3/26/2015</a:t>
             </a:fld>
             <a:endParaRPr lang="en-US"/>
           </a:p>
@@ -1607,7 +1614,7 @@
           <a:p>
             <a:fld id="{FBE2D131-9059-4871-B9F5-B1D85DD117F9}" type="datetimeFigureOut">
               <a:rPr lang="en-US" smtClean="0"/>
-              <a:t>3/22/2015</a:t>
+              <a:t>3/26/2015</a:t>
             </a:fld>
             <a:endParaRPr lang="en-US"/>
           </a:p>
@@ -1725,7 +1732,7 @@
           <a:p>
             <a:fld id="{FBE2D131-9059-4871-B9F5-B1D85DD117F9}" type="datetimeFigureOut">
               <a:rPr lang="en-US" smtClean="0"/>
-              <a:t>3/22/2015</a:t>
+              <a:t>3/26/2015</a:t>
             </a:fld>
             <a:endParaRPr lang="en-US"/>
           </a:p>
@@ -1820,7 +1827,7 @@
           <a:p>
             <a:fld id="{FBE2D131-9059-4871-B9F5-B1D85DD117F9}" type="datetimeFigureOut">
               <a:rPr lang="en-US" smtClean="0"/>
-              <a:t>3/22/2015</a:t>
+              <a:t>3/26/2015</a:t>
             </a:fld>
             <a:endParaRPr lang="en-US"/>
           </a:p>
@@ -2097,7 +2104,7 @@
           <a:p>
             <a:fld id="{FBE2D131-9059-4871-B9F5-B1D85DD117F9}" type="datetimeFigureOut">
               <a:rPr lang="en-US" smtClean="0"/>
-              <a:t>3/22/2015</a:t>
+              <a:t>3/26/2015</a:t>
             </a:fld>
             <a:endParaRPr lang="en-US"/>
           </a:p>
@@ -2350,7 +2357,7 @@
           <a:p>
             <a:fld id="{FBE2D131-9059-4871-B9F5-B1D85DD117F9}" type="datetimeFigureOut">
               <a:rPr lang="en-US" smtClean="0"/>
-              <a:t>3/22/2015</a:t>
+              <a:t>3/26/2015</a:t>
             </a:fld>
             <a:endParaRPr lang="en-US"/>
           </a:p>
@@ -2563,7 +2570,7 @@
           <a:p>
             <a:fld id="{FBE2D131-9059-4871-B9F5-B1D85DD117F9}" type="datetimeFigureOut">
               <a:rPr lang="en-US" smtClean="0"/>
-              <a:t>3/22/2015</a:t>
+              <a:t>3/26/2015</a:t>
             </a:fld>
             <a:endParaRPr lang="en-US"/>
           </a:p>
@@ -3081,27 +3088,23 @@
             <a:pPr fontAlgn="base"/>
             <a:r>
               <a:rPr lang="en-US" dirty="0"/>
-              <a:t>The Coursera-SwiftKey.zip </a:t>
+              <a:t>The </a:t>
             </a:r>
             <a:r>
               <a:rPr lang="en-US" dirty="0" smtClean="0"/>
-              <a:t>was downloaded </a:t>
+              <a:t>Coursera-SwiftKey.zip, consisting of three files, was </a:t>
+            </a:r>
+            <a:r>
+              <a:rPr lang="en-US" dirty="0" smtClean="0"/>
+              <a:t>downloaded </a:t>
             </a:r>
             <a:r>
               <a:rPr lang="en-US" dirty="0"/>
-              <a:t>from the Coursera </a:t>
+              <a:t>from the </a:t>
             </a:r>
             <a:r>
               <a:rPr lang="en-US" dirty="0" smtClean="0"/>
-              <a:t>page and consisted of three </a:t>
-            </a:r>
-            <a:r>
-              <a:rPr lang="en-US" dirty="0"/>
-              <a:t>files</a:t>
-            </a:r>
-            <a:r>
-              <a:rPr lang="en-US" dirty="0" smtClean="0"/>
-              <a:t>:</a:t>
+              <a:t>Coursera page:</a:t>
             </a:r>
             <a:endParaRPr lang="en-US" dirty="0"/>
           </a:p>
@@ -3480,7 +3483,19 @@
             <a:pPr fontAlgn="base"/>
             <a:r>
               <a:rPr lang="en-US" dirty="0"/>
-              <a:t>Return the top 10 predicted words</a:t>
+              <a:t>Return the top </a:t>
+            </a:r>
+            <a:r>
+              <a:rPr lang="en-US" dirty="0" smtClean="0"/>
+              <a:t>5 </a:t>
+            </a:r>
+            <a:r>
+              <a:rPr lang="en-US" dirty="0" smtClean="0"/>
+              <a:t>predicted </a:t>
+            </a:r>
+            <a:r>
+              <a:rPr lang="en-US" dirty="0"/>
+              <a:t>words</a:t>
             </a:r>
           </a:p>
           <a:p>
@@ -3533,6 +3548,376 @@
           <a:bodyPr/>
           <a:lstStyle/>
           <a:p>
+            <a:endParaRPr lang="en-US"/>
+          </a:p>
+        </p:txBody>
+      </p:sp>
+      <p:sp>
+        <p:nvSpPr>
+          <p:cNvPr id="4" name="Rectangle 1"/>
+          <p:cNvSpPr>
+            <a:spLocks noGrp="1" noChangeArrowheads="1"/>
+          </p:cNvSpPr>
+          <p:nvPr>
+            <p:ph idx="1"/>
+          </p:nvPr>
+        </p:nvSpPr>
+        <p:spPr bwMode="auto">
+          <a:xfrm>
+            <a:off x="838200" y="2722749"/>
+            <a:ext cx="13157576" cy="2557090"/>
+          </a:xfrm>
+          <a:prstGeom prst="rect">
+            <a:avLst/>
+          </a:prstGeom>
+          <a:solidFill>
+            <a:srgbClr val="FFFFFF"/>
+          </a:solidFill>
+          <a:ln>
+            <a:noFill/>
+          </a:ln>
+          <a:effectLst/>
+          <a:extLst>
+            <a:ext uri="{91240B29-F687-4F45-9708-019B960494DF}">
+              <a14:hiddenLine xmlns:a14="http://schemas.microsoft.com/office/drawing/2010/main" w="9525">
+                <a:solidFill>
+                  <a:schemeClr val="tx1"/>
+                </a:solidFill>
+                <a:miter lim="800000"/>
+                <a:headEnd/>
+                <a:tailEnd/>
+              </a14:hiddenLine>
+            </a:ext>
+            <a:ext uri="{AF507438-7753-43E0-B8FC-AC1667EBCBE1}">
+              <a14:hiddenEffects xmlns:a14="http://schemas.microsoft.com/office/drawing/2010/main">
+                <a:effectLst>
+                  <a:outerShdw dist="35921" dir="2700000" algn="ctr" rotWithShape="0">
+                    <a:schemeClr val="bg2"/>
+                  </a:outerShdw>
+                </a:effectLst>
+              </a14:hiddenEffects>
+            </a:ext>
+          </a:extLst>
+        </p:spPr>
+        <p:txBody>
+          <a:bodyPr vert="horz" wrap="none" lIns="0" tIns="0" rIns="0" bIns="63480" numCol="1" anchor="ctr" anchorCtr="0" compatLnSpc="1">
+            <a:prstTxWarp prst="textNoShape">
+              <a:avLst/>
+            </a:prstTxWarp>
+            <a:spAutoFit/>
+          </a:bodyPr>
+          <a:lstStyle/>
+          <a:p>
+            <a:pPr marL="0" marR="0" lvl="0" indent="0" algn="l" defTabSz="914400" rtl="0" eaLnBrk="0" fontAlgn="base" latinLnBrk="0" hangingPunct="0">
+              <a:lnSpc>
+                <a:spcPct val="100000"/>
+              </a:lnSpc>
+              <a:spcBef>
+                <a:spcPct val="0"/>
+              </a:spcBef>
+              <a:spcAft>
+                <a:spcPct val="0"/>
+              </a:spcAft>
+              <a:buClrTx/>
+              <a:buSzTx/>
+              <a:buFontTx/>
+              <a:buNone/>
+              <a:tabLst/>
+            </a:pPr>
+            <a:endParaRPr kumimoji="0" lang="en-US" altLang="en-US" sz="2700" b="0" i="0" u="none" strike="noStrike" cap="none" normalizeH="0" baseline="0" dirty="0" smtClean="0">
+              <a:ln>
+                <a:noFill/>
+              </a:ln>
+              <a:solidFill>
+                <a:srgbClr val="000000"/>
+              </a:solidFill>
+              <a:effectLst/>
+              <a:latin typeface="Lato"/>
+            </a:endParaRPr>
+          </a:p>
+          <a:p>
+            <a:pPr marL="0" marR="0" lvl="0" indent="0" algn="l" defTabSz="914400" rtl="0" eaLnBrk="0" fontAlgn="base" latinLnBrk="0" hangingPunct="0">
+              <a:lnSpc>
+                <a:spcPct val="100000"/>
+              </a:lnSpc>
+              <a:spcBef>
+                <a:spcPct val="0"/>
+              </a:spcBef>
+              <a:spcAft>
+                <a:spcPct val="0"/>
+              </a:spcAft>
+              <a:buClrTx/>
+              <a:buSzTx/>
+              <a:buFontTx/>
+              <a:buChar char="•"/>
+              <a:tabLst/>
+            </a:pPr>
+            <a:r>
+              <a:rPr kumimoji="0" lang="en-US" altLang="en-US" sz="2700" b="0" i="0" u="none" strike="noStrike" cap="none" normalizeH="0" baseline="0" dirty="0" smtClean="0">
+                <a:ln>
+                  <a:noFill/>
+                </a:ln>
+                <a:solidFill>
+                  <a:srgbClr val="000000"/>
+                </a:solidFill>
+                <a:effectLst/>
+                <a:latin typeface="Lato"/>
+              </a:rPr>
+              <a:t>Clean and tokenize the user input text</a:t>
+            </a:r>
+          </a:p>
+          <a:p>
+            <a:pPr marL="0" marR="0" lvl="0" indent="0" algn="l" defTabSz="914400" rtl="0" eaLnBrk="0" fontAlgn="base" latinLnBrk="0" hangingPunct="0">
+              <a:lnSpc>
+                <a:spcPct val="100000"/>
+              </a:lnSpc>
+              <a:spcBef>
+                <a:spcPct val="0"/>
+              </a:spcBef>
+              <a:spcAft>
+                <a:spcPct val="0"/>
+              </a:spcAft>
+              <a:buClrTx/>
+              <a:buSzTx/>
+              <a:buFontTx/>
+              <a:buChar char="•"/>
+              <a:tabLst/>
+            </a:pPr>
+            <a:r>
+              <a:rPr kumimoji="0" lang="en-US" altLang="en-US" sz="2700" b="0" i="0" u="none" strike="noStrike" cap="none" normalizeH="0" baseline="0" dirty="0" smtClean="0">
+                <a:ln>
+                  <a:noFill/>
+                </a:ln>
+                <a:solidFill>
+                  <a:srgbClr val="000000"/>
+                </a:solidFill>
+                <a:effectLst/>
+                <a:latin typeface="Lato"/>
+              </a:rPr>
+              <a:t>N-grams derived from a training text corpus along </a:t>
+            </a:r>
+          </a:p>
+          <a:p>
+            <a:pPr marL="0" marR="0" lvl="0" indent="0" algn="l" defTabSz="914400" rtl="0" eaLnBrk="0" fontAlgn="base" latinLnBrk="0" hangingPunct="0">
+              <a:lnSpc>
+                <a:spcPct val="100000"/>
+              </a:lnSpc>
+              <a:spcBef>
+                <a:spcPct val="0"/>
+              </a:spcBef>
+              <a:spcAft>
+                <a:spcPct val="0"/>
+              </a:spcAft>
+              <a:buClrTx/>
+              <a:buSzTx/>
+              <a:buFontTx/>
+              <a:buChar char="•"/>
+              <a:tabLst/>
+            </a:pPr>
+            <a:r>
+              <a:rPr kumimoji="0" lang="en-US" altLang="en-US" sz="2700" b="0" i="0" u="none" strike="noStrike" cap="none" normalizeH="0" baseline="0" dirty="0" smtClean="0">
+                <a:ln>
+                  <a:noFill/>
+                </a:ln>
+                <a:solidFill>
+                  <a:srgbClr val="000000"/>
+                </a:solidFill>
+                <a:effectLst/>
+                <a:latin typeface="Lato"/>
+              </a:rPr>
+              <a:t>with a “back-off” strategy are utilized to predict the new word based on the user input.</a:t>
+            </a:r>
+          </a:p>
+          <a:p>
+            <a:pPr marL="0" marR="0" lvl="0" indent="0" algn="l" defTabSz="914400" rtl="0" eaLnBrk="0" fontAlgn="base" latinLnBrk="0" hangingPunct="0">
+              <a:lnSpc>
+                <a:spcPct val="100000"/>
+              </a:lnSpc>
+              <a:spcBef>
+                <a:spcPct val="0"/>
+              </a:spcBef>
+              <a:spcAft>
+                <a:spcPct val="0"/>
+              </a:spcAft>
+              <a:buClrTx/>
+              <a:buSzTx/>
+              <a:buFontTx/>
+              <a:buChar char="•"/>
+              <a:tabLst/>
+            </a:pPr>
+            <a:r>
+              <a:rPr kumimoji="0" lang="en-US" altLang="en-US" sz="2700" b="0" i="0" u="none" strike="noStrike" cap="none" normalizeH="0" baseline="0" dirty="0" smtClean="0">
+                <a:ln>
+                  <a:noFill/>
+                </a:ln>
+                <a:solidFill>
+                  <a:srgbClr val="000000"/>
+                </a:solidFill>
+                <a:effectLst/>
+                <a:latin typeface="Lato"/>
+              </a:rPr>
+              <a:t>Return the predicted word(s) up to the maximum number (5) </a:t>
+            </a:r>
+          </a:p>
+          <a:p>
+            <a:pPr marL="0" marR="0" lvl="0" indent="0" algn="l" defTabSz="914400" rtl="0" eaLnBrk="0" fontAlgn="base" latinLnBrk="0" hangingPunct="0">
+              <a:lnSpc>
+                <a:spcPct val="100000"/>
+              </a:lnSpc>
+              <a:spcBef>
+                <a:spcPct val="0"/>
+              </a:spcBef>
+              <a:spcAft>
+                <a:spcPct val="0"/>
+              </a:spcAft>
+              <a:buClrTx/>
+              <a:buSzTx/>
+              <a:buFontTx/>
+              <a:buChar char="•"/>
+              <a:tabLst/>
+            </a:pPr>
+            <a:r>
+              <a:rPr kumimoji="0" lang="en-US" altLang="en-US" sz="2700" b="0" i="0" u="none" strike="noStrike" cap="none" normalizeH="0" baseline="0" dirty="0" smtClean="0">
+                <a:ln>
+                  <a:noFill/>
+                </a:ln>
+                <a:solidFill>
+                  <a:srgbClr val="000000"/>
+                </a:solidFill>
+                <a:effectLst/>
+                <a:latin typeface="Lato"/>
+              </a:rPr>
+              <a:t>of predicted words.</a:t>
+            </a:r>
+            <a:r>
+              <a:rPr kumimoji="0" lang="en-US" altLang="en-US" sz="1100" b="0" i="0" u="none" strike="noStrike" cap="none" normalizeH="0" baseline="0" dirty="0" smtClean="0">
+                <a:ln>
+                  <a:noFill/>
+                </a:ln>
+                <a:solidFill>
+                  <a:schemeClr val="tx1"/>
+                </a:solidFill>
+                <a:effectLst/>
+              </a:rPr>
+              <a:t> </a:t>
+            </a:r>
+            <a:endParaRPr kumimoji="0" lang="en-US" altLang="en-US" sz="1800" b="0" i="0" u="none" strike="noStrike" cap="none" normalizeH="0" baseline="0" dirty="0" smtClean="0">
+              <a:ln>
+                <a:noFill/>
+              </a:ln>
+              <a:solidFill>
+                <a:schemeClr val="tx1"/>
+              </a:solidFill>
+              <a:effectLst/>
+              <a:latin typeface="Arial" panose="020B0604020202020204" pitchFamily="34" charset="0"/>
+            </a:endParaRPr>
+          </a:p>
+        </p:txBody>
+      </p:sp>
+    </p:spTree>
+    <p:extLst>
+      <p:ext uri="{BB962C8B-B14F-4D97-AF65-F5344CB8AC3E}">
+        <p14:creationId xmlns:p14="http://schemas.microsoft.com/office/powerpoint/2010/main" val="1874634845"/>
+      </p:ext>
+    </p:extLst>
+  </p:cSld>
+  <p:clrMapOvr>
+    <a:masterClrMapping/>
+  </p:clrMapOvr>
+</p:sld>
+</file>
+
+<file path=ppt/slides/slide5.xml><?xml version="1.0" encoding="utf-8"?>
+<p:sld xmlns:a="http://schemas.openxmlformats.org/drawingml/2006/main" xmlns:r="http://schemas.openxmlformats.org/officeDocument/2006/relationships" xmlns:p="http://schemas.openxmlformats.org/presentationml/2006/main">
+  <p:cSld>
+    <p:spTree>
+      <p:nvGrpSpPr>
+        <p:cNvPr id="1" name=""/>
+        <p:cNvGrpSpPr/>
+        <p:nvPr/>
+      </p:nvGrpSpPr>
+      <p:grpSpPr>
+        <a:xfrm>
+          <a:off x="0" y="0"/>
+          <a:ext cx="0" cy="0"/>
+          <a:chOff x="0" y="0"/>
+          <a:chExt cx="0" cy="0"/>
+        </a:xfrm>
+      </p:grpSpPr>
+      <p:pic>
+        <p:nvPicPr>
+          <p:cNvPr id="9" name="Content Placeholder 8"/>
+          <p:cNvPicPr>
+            <a:picLocks noGrp="1" noChangeAspect="1"/>
+          </p:cNvPicPr>
+          <p:nvPr>
+            <p:ph idx="1"/>
+          </p:nvPr>
+        </p:nvPicPr>
+        <p:blipFill>
+          <a:blip r:embed="rId2">
+            <a:extLst>
+              <a:ext uri="{28A0092B-C50C-407E-A947-70E740481C1C}">
+                <a14:useLocalDpi xmlns:a14="http://schemas.microsoft.com/office/drawing/2010/main" val="0"/>
+              </a:ext>
+            </a:extLst>
+          </a:blip>
+          <a:stretch>
+            <a:fillRect/>
+          </a:stretch>
+        </p:blipFill>
+        <p:spPr>
+          <a:xfrm>
+            <a:off x="1897933" y="719527"/>
+            <a:ext cx="7786850" cy="5127652"/>
+          </a:xfrm>
+        </p:spPr>
+      </p:pic>
+    </p:spTree>
+    <p:extLst>
+      <p:ext uri="{BB962C8B-B14F-4D97-AF65-F5344CB8AC3E}">
+        <p14:creationId xmlns:p14="http://schemas.microsoft.com/office/powerpoint/2010/main" val="3762843015"/>
+      </p:ext>
+    </p:extLst>
+  </p:cSld>
+  <p:clrMapOvr>
+    <a:masterClrMapping/>
+  </p:clrMapOvr>
+</p:sld>
+</file>
+
+<file path=ppt/slides/slide6.xml><?xml version="1.0" encoding="utf-8"?>
+<p:sld xmlns:a="http://schemas.openxmlformats.org/drawingml/2006/main" xmlns:r="http://schemas.openxmlformats.org/officeDocument/2006/relationships" xmlns:p="http://schemas.openxmlformats.org/presentationml/2006/main">
+  <p:cSld>
+    <p:spTree>
+      <p:nvGrpSpPr>
+        <p:cNvPr id="1" name=""/>
+        <p:cNvGrpSpPr/>
+        <p:nvPr/>
+      </p:nvGrpSpPr>
+      <p:grpSpPr>
+        <a:xfrm>
+          <a:off x="0" y="0"/>
+          <a:ext cx="0" cy="0"/>
+          <a:chOff x="0" y="0"/>
+          <a:chExt cx="0" cy="0"/>
+        </a:xfrm>
+      </p:grpSpPr>
+      <p:sp>
+        <p:nvSpPr>
+          <p:cNvPr id="2" name="Title 1"/>
+          <p:cNvSpPr>
+            <a:spLocks noGrp="1"/>
+          </p:cNvSpPr>
+          <p:nvPr>
+            <p:ph type="title"/>
+          </p:nvPr>
+        </p:nvSpPr>
+        <p:spPr/>
+        <p:txBody>
+          <a:bodyPr/>
+          <a:lstStyle/>
+          <a:p>
             <a:r>
               <a:rPr lang="en-US" b="1" dirty="0" smtClean="0"/>
               <a:t>Calculating the Probability</a:t>
@@ -3684,7 +4069,7 @@
 </p:sld>
 </file>
 
-<file path=ppt/slides/slide5.xml><?xml version="1.0" encoding="utf-8"?>
+<file path=ppt/slides/slide7.xml><?xml version="1.0" encoding="utf-8"?>
 <p:sld xmlns:a="http://schemas.openxmlformats.org/drawingml/2006/main" xmlns:r="http://schemas.openxmlformats.org/officeDocument/2006/relationships" xmlns:p="http://schemas.openxmlformats.org/presentationml/2006/main">
   <p:cSld>
     <p:spTree>
